--- a/figures/performance_H2F/H2F-Q1-Disease-Surv-Length.pptx
+++ b/figures/performance_H2F/H2F-Q1-Disease-Surv-Length.pptx
@@ -197,7 +197,7 @@
           <a:p>
             <a:fld id="{D5B446E7-68B8-DF4F-8F22-441FE35205AD}" type="datetimeFigureOut">
               <a:rPr lang="en-US" smtClean="0"/>
-              <a:t>11/9/25</a:t>
+              <a:t>11/17/25</a:t>
             </a:fld>
             <a:endParaRPr lang="en-US"/>
           </a:p>
@@ -684,7 +684,7 @@
           <a:p>
             <a:fld id="{89D219D7-A98E-4C43-80ED-F55C071423DC}" type="datetimeFigureOut">
               <a:rPr lang="en-US" smtClean="0"/>
-              <a:t>11/9/25</a:t>
+              <a:t>11/17/25</a:t>
             </a:fld>
             <a:endParaRPr lang="en-US"/>
           </a:p>
@@ -854,7 +854,7 @@
           <a:p>
             <a:fld id="{89D219D7-A98E-4C43-80ED-F55C071423DC}" type="datetimeFigureOut">
               <a:rPr lang="en-US" smtClean="0"/>
-              <a:t>11/9/25</a:t>
+              <a:t>11/17/25</a:t>
             </a:fld>
             <a:endParaRPr lang="en-US"/>
           </a:p>
@@ -1034,7 +1034,7 @@
           <a:p>
             <a:fld id="{89D219D7-A98E-4C43-80ED-F55C071423DC}" type="datetimeFigureOut">
               <a:rPr lang="en-US" smtClean="0"/>
-              <a:t>11/9/25</a:t>
+              <a:t>11/17/25</a:t>
             </a:fld>
             <a:endParaRPr lang="en-US"/>
           </a:p>
@@ -1204,7 +1204,7 @@
           <a:p>
             <a:fld id="{89D219D7-A98E-4C43-80ED-F55C071423DC}" type="datetimeFigureOut">
               <a:rPr lang="en-US" smtClean="0"/>
-              <a:t>11/9/25</a:t>
+              <a:t>11/17/25</a:t>
             </a:fld>
             <a:endParaRPr lang="en-US"/>
           </a:p>
@@ -1450,7 +1450,7 @@
           <a:p>
             <a:fld id="{89D219D7-A98E-4C43-80ED-F55C071423DC}" type="datetimeFigureOut">
               <a:rPr lang="en-US" smtClean="0"/>
-              <a:t>11/9/25</a:t>
+              <a:t>11/17/25</a:t>
             </a:fld>
             <a:endParaRPr lang="en-US"/>
           </a:p>
@@ -1682,7 +1682,7 @@
           <a:p>
             <a:fld id="{89D219D7-A98E-4C43-80ED-F55C071423DC}" type="datetimeFigureOut">
               <a:rPr lang="en-US" smtClean="0"/>
-              <a:t>11/9/25</a:t>
+              <a:t>11/17/25</a:t>
             </a:fld>
             <a:endParaRPr lang="en-US"/>
           </a:p>
@@ -2049,7 +2049,7 @@
           <a:p>
             <a:fld id="{89D219D7-A98E-4C43-80ED-F55C071423DC}" type="datetimeFigureOut">
               <a:rPr lang="en-US" smtClean="0"/>
-              <a:t>11/9/25</a:t>
+              <a:t>11/17/25</a:t>
             </a:fld>
             <a:endParaRPr lang="en-US"/>
           </a:p>
@@ -2167,7 +2167,7 @@
           <a:p>
             <a:fld id="{89D219D7-A98E-4C43-80ED-F55C071423DC}" type="datetimeFigureOut">
               <a:rPr lang="en-US" smtClean="0"/>
-              <a:t>11/9/25</a:t>
+              <a:t>11/17/25</a:t>
             </a:fld>
             <a:endParaRPr lang="en-US"/>
           </a:p>
@@ -2262,7 +2262,7 @@
           <a:p>
             <a:fld id="{89D219D7-A98E-4C43-80ED-F55C071423DC}" type="datetimeFigureOut">
               <a:rPr lang="en-US" smtClean="0"/>
-              <a:t>11/9/25</a:t>
+              <a:t>11/17/25</a:t>
             </a:fld>
             <a:endParaRPr lang="en-US"/>
           </a:p>
@@ -2539,7 +2539,7 @@
           <a:p>
             <a:fld id="{89D219D7-A98E-4C43-80ED-F55C071423DC}" type="datetimeFigureOut">
               <a:rPr lang="en-US" smtClean="0"/>
-              <a:t>11/9/25</a:t>
+              <a:t>11/17/25</a:t>
             </a:fld>
             <a:endParaRPr lang="en-US"/>
           </a:p>
@@ -2796,7 +2796,7 @@
           <a:p>
             <a:fld id="{89D219D7-A98E-4C43-80ED-F55C071423DC}" type="datetimeFigureOut">
               <a:rPr lang="en-US" smtClean="0"/>
-              <a:t>11/9/25</a:t>
+              <a:t>11/17/25</a:t>
             </a:fld>
             <a:endParaRPr lang="en-US"/>
           </a:p>
@@ -3009,7 +3009,7 @@
           <a:p>
             <a:fld id="{89D219D7-A98E-4C43-80ED-F55C071423DC}" type="datetimeFigureOut">
               <a:rPr lang="en-US" smtClean="0"/>
-              <a:t>11/9/25</a:t>
+              <a:t>11/17/25</a:t>
             </a:fld>
             <a:endParaRPr lang="en-US"/>
           </a:p>
@@ -3468,7 +3468,7 @@
         </p:blipFill>
         <p:spPr>
           <a:xfrm>
-            <a:off x="486898" y="2809020"/>
+            <a:off x="486898" y="2621731"/>
             <a:ext cx="4479048" cy="2149745"/>
           </a:xfrm>
           <a:prstGeom prst="rect">
@@ -3490,7 +3490,7 @@
         </p:nvSpPr>
         <p:spPr>
           <a:xfrm>
-            <a:off x="3" y="2760982"/>
+            <a:off x="3" y="2573693"/>
             <a:ext cx="396241" cy="307777"/>
           </a:xfrm>
           <a:prstGeom prst="rect">
@@ -3566,7 +3566,7 @@
         </p:nvSpPr>
         <p:spPr>
           <a:xfrm>
-            <a:off x="552454" y="2774003"/>
+            <a:off x="552454" y="2361864"/>
             <a:ext cx="265449" cy="228821"/>
           </a:xfrm>
           <a:prstGeom prst="rect">
@@ -4026,7 +4026,7 @@
         </p:nvSpPr>
         <p:spPr>
           <a:xfrm>
-            <a:off x="53589" y="128992"/>
+            <a:off x="7113" y="54164"/>
             <a:ext cx="396241" cy="307777"/>
           </a:xfrm>
           <a:prstGeom prst="rect">
@@ -4064,7 +4064,7 @@
         </p:nvSpPr>
         <p:spPr>
           <a:xfrm>
-            <a:off x="3" y="4802827"/>
+            <a:off x="3" y="4857912"/>
             <a:ext cx="396241" cy="307777"/>
           </a:xfrm>
           <a:prstGeom prst="rect">
@@ -4102,7 +4102,7 @@
         </p:nvSpPr>
         <p:spPr>
           <a:xfrm>
-            <a:off x="280574" y="5110604"/>
+            <a:off x="280574" y="5032268"/>
             <a:ext cx="985998" cy="369332"/>
           </a:xfrm>
           <a:prstGeom prst="rect">
@@ -4139,7 +4139,7 @@
         </p:nvSpPr>
         <p:spPr>
           <a:xfrm>
-            <a:off x="724018" y="2803968"/>
+            <a:off x="724018" y="2616679"/>
             <a:ext cx="312665" cy="623813"/>
           </a:xfrm>
           <a:prstGeom prst="rect">
@@ -4193,7 +4193,7 @@
         </p:nvSpPr>
         <p:spPr>
           <a:xfrm>
-            <a:off x="280574" y="3063475"/>
+            <a:off x="280574" y="2732965"/>
             <a:ext cx="985999" cy="369332"/>
           </a:xfrm>
           <a:prstGeom prst="rect">
@@ -4232,20 +4232,75 @@
         </p:nvPicPr>
         <p:blipFill>
           <a:blip r:embed="rId5"/>
+          <a:srcRect t="4589"/>
           <a:stretch>
             <a:fillRect/>
           </a:stretch>
         </p:blipFill>
         <p:spPr>
           <a:xfrm>
-            <a:off x="403354" y="193048"/>
-            <a:ext cx="4572000" cy="2743200"/>
+            <a:off x="403354" y="94080"/>
+            <a:ext cx="4572000" cy="2617317"/>
           </a:xfrm>
           <a:prstGeom prst="rect">
             <a:avLst/>
           </a:prstGeom>
         </p:spPr>
       </p:pic>
+      <p:sp>
+        <p:nvSpPr>
+          <p:cNvPr id="4" name="Rectangle 3">
+            <a:extLst>
+              <a:ext uri="{FF2B5EF4-FFF2-40B4-BE49-F238E27FC236}">
+                <a16:creationId xmlns:a16="http://schemas.microsoft.com/office/drawing/2014/main" id="{D185772D-5BAB-A247-21FF-3F5EE8CA34E5}"/>
+              </a:ext>
+            </a:extLst>
+          </p:cNvPr>
+          <p:cNvSpPr/>
+          <p:nvPr/>
+        </p:nvSpPr>
+        <p:spPr>
+          <a:xfrm>
+            <a:off x="817903" y="20302"/>
+            <a:ext cx="3454693" cy="228822"/>
+          </a:xfrm>
+          <a:prstGeom prst="rect">
+            <a:avLst/>
+          </a:prstGeom>
+          <a:solidFill>
+            <a:schemeClr val="bg1"/>
+          </a:solidFill>
+          <a:ln>
+            <a:solidFill>
+              <a:schemeClr val="bg1"/>
+            </a:solidFill>
+          </a:ln>
+        </p:spPr>
+        <p:style>
+          <a:lnRef idx="2">
+            <a:schemeClr val="accent1">
+              <a:shade val="15000"/>
+            </a:schemeClr>
+          </a:lnRef>
+          <a:fillRef idx="1">
+            <a:schemeClr val="accent1"/>
+          </a:fillRef>
+          <a:effectRef idx="0">
+            <a:schemeClr val="accent1"/>
+          </a:effectRef>
+          <a:fontRef idx="minor">
+            <a:schemeClr val="lt1"/>
+          </a:fontRef>
+        </p:style>
+        <p:txBody>
+          <a:bodyPr rtlCol="0" anchor="ctr"/>
+          <a:lstStyle/>
+          <a:p>
+            <a:pPr algn="ctr"/>
+            <a:endParaRPr lang="en-US" sz="1200"/>
+          </a:p>
+        </p:txBody>
+      </p:sp>
     </p:spTree>
     <p:extLst>
       <p:ext uri="{BB962C8B-B14F-4D97-AF65-F5344CB8AC3E}">
